--- a/4_Innovation/source/YAPP_about_less_powerpoint.pptx
+++ b/4_Innovation/source/YAPP_about_less_powerpoint.pptx
@@ -1079,6 +1079,13 @@
         </dgm:presLayoutVars>
       </dgm:prSet>
       <dgm:spPr/>
+      <dgm:t>
+        <a:bodyPr/>
+        <a:lstStyle/>
+        <a:p>
+          <a:endParaRPr lang="en-US"/>
+        </a:p>
+      </dgm:t>
     </dgm:pt>
     <dgm:pt modelId="{F8883213-C7B4-4EE9-832F-C95B398A4F8F}" type="pres">
       <dgm:prSet presAssocID="{E09BB0E1-4BE6-47AF-8595-9287B922E874}" presName="parTxOnlySpace" presStyleCnt="0"/>
@@ -1124,15 +1131,15 @@
     </dgm:pt>
   </dgm:ptLst>
   <dgm:cxnLst>
+    <dgm:cxn modelId="{0956728B-49FB-4E45-BD04-54E77EA737F9}" type="presOf" srcId="{A94E93BC-C500-4193-A575-BB9022DB10F9}" destId="{1ACC478D-C4C3-4E2C-8E86-54401F59E844}" srcOrd="0" destOrd="0" presId="urn:microsoft.com/office/officeart/2005/8/layout/chevron1"/>
+    <dgm:cxn modelId="{D1F20075-DA30-4C6A-9DE7-7CE7A44EBB9A}" srcId="{A94E93BC-C500-4193-A575-BB9022DB10F9}" destId="{4A00955F-06D5-4061-ADD5-765040902191}" srcOrd="3" destOrd="0" parTransId="{8148282F-B723-4B00-9C4B-FE7FE0E73D56}" sibTransId="{917E9E13-29A0-4C43-8DAD-17114CC65CCC}"/>
+    <dgm:cxn modelId="{9141FD38-EE71-4B39-AE15-D9C504513196}" type="presOf" srcId="{4C70C988-F413-47EB-BD19-210E9CC63481}" destId="{1E9A9D2F-B6E6-4DFD-9BCD-9582B0B722F3}" srcOrd="0" destOrd="0" presId="urn:microsoft.com/office/officeart/2005/8/layout/chevron1"/>
+    <dgm:cxn modelId="{0692EC31-737C-49DA-9143-32819561415E}" type="presOf" srcId="{31065013-3142-427E-8A80-7533EADE34EC}" destId="{FC2B4009-8FF4-46A0-8671-EF200B744A4B}" srcOrd="0" destOrd="0" presId="urn:microsoft.com/office/officeart/2005/8/layout/chevron1"/>
+    <dgm:cxn modelId="{8894545A-6ED0-4B8A-927F-2B44F1CDF482}" type="presOf" srcId="{4A00955F-06D5-4061-ADD5-765040902191}" destId="{687E5294-59F3-4B21-A956-1C127C7F9CB7}" srcOrd="0" destOrd="0" presId="urn:microsoft.com/office/officeart/2005/8/layout/chevron1"/>
+    <dgm:cxn modelId="{E28AB106-9B52-4AF8-BEBA-DA36D7ABCBA6}" srcId="{A94E93BC-C500-4193-A575-BB9022DB10F9}" destId="{31065013-3142-427E-8A80-7533EADE34EC}" srcOrd="2" destOrd="0" parTransId="{66C21442-32CB-436F-9B17-D516D518F267}" sibTransId="{FA9648E7-108E-4AF2-969D-D36A84207F48}"/>
     <dgm:cxn modelId="{56508845-26CD-4DB6-9896-E686B176BB79}" srcId="{A94E93BC-C500-4193-A575-BB9022DB10F9}" destId="{3712EC8B-E07E-4F62-B958-F84C66572FCA}" srcOrd="0" destOrd="0" parTransId="{EE144939-BDCA-4152-8A7C-A9ACDE609467}" sibTransId="{F0051C00-7263-4933-8184-709C52347726}"/>
-    <dgm:cxn modelId="{0692EC31-737C-49DA-9143-32819561415E}" type="presOf" srcId="{31065013-3142-427E-8A80-7533EADE34EC}" destId="{FC2B4009-8FF4-46A0-8671-EF200B744A4B}" srcOrd="0" destOrd="0" presId="urn:microsoft.com/office/officeart/2005/8/layout/chevron1"/>
-    <dgm:cxn modelId="{9141FD38-EE71-4B39-AE15-D9C504513196}" type="presOf" srcId="{4C70C988-F413-47EB-BD19-210E9CC63481}" destId="{1E9A9D2F-B6E6-4DFD-9BCD-9582B0B722F3}" srcOrd="0" destOrd="0" presId="urn:microsoft.com/office/officeart/2005/8/layout/chevron1"/>
-    <dgm:cxn modelId="{D1F20075-DA30-4C6A-9DE7-7CE7A44EBB9A}" srcId="{A94E93BC-C500-4193-A575-BB9022DB10F9}" destId="{4A00955F-06D5-4061-ADD5-765040902191}" srcOrd="3" destOrd="0" parTransId="{8148282F-B723-4B00-9C4B-FE7FE0E73D56}" sibTransId="{917E9E13-29A0-4C43-8DAD-17114CC65CCC}"/>
-    <dgm:cxn modelId="{0956728B-49FB-4E45-BD04-54E77EA737F9}" type="presOf" srcId="{A94E93BC-C500-4193-A575-BB9022DB10F9}" destId="{1ACC478D-C4C3-4E2C-8E86-54401F59E844}" srcOrd="0" destOrd="0" presId="urn:microsoft.com/office/officeart/2005/8/layout/chevron1"/>
     <dgm:cxn modelId="{EABA9E91-77A4-465D-8299-6B65BF727FEB}" srcId="{A94E93BC-C500-4193-A575-BB9022DB10F9}" destId="{4C70C988-F413-47EB-BD19-210E9CC63481}" srcOrd="1" destOrd="0" parTransId="{86474CC4-E525-423F-BBAD-FD4BCFD0CBDB}" sibTransId="{E09BB0E1-4BE6-47AF-8595-9287B922E874}"/>
-    <dgm:cxn modelId="{8894545A-6ED0-4B8A-927F-2B44F1CDF482}" type="presOf" srcId="{4A00955F-06D5-4061-ADD5-765040902191}" destId="{687E5294-59F3-4B21-A956-1C127C7F9CB7}" srcOrd="0" destOrd="0" presId="urn:microsoft.com/office/officeart/2005/8/layout/chevron1"/>
     <dgm:cxn modelId="{0DFAFBF5-40EA-43B7-843C-81E6A22C36EF}" type="presOf" srcId="{3712EC8B-E07E-4F62-B958-F84C66572FCA}" destId="{306095E9-B983-4972-BABC-C1C790BC3182}" srcOrd="0" destOrd="0" presId="urn:microsoft.com/office/officeart/2005/8/layout/chevron1"/>
-    <dgm:cxn modelId="{E28AB106-9B52-4AF8-BEBA-DA36D7ABCBA6}" srcId="{A94E93BC-C500-4193-A575-BB9022DB10F9}" destId="{31065013-3142-427E-8A80-7533EADE34EC}" srcOrd="2" destOrd="0" parTransId="{66C21442-32CB-436F-9B17-D516D518F267}" sibTransId="{FA9648E7-108E-4AF2-969D-D36A84207F48}"/>
     <dgm:cxn modelId="{CE2E24C4-1252-48AA-AC15-14A6413F9A66}" type="presParOf" srcId="{1ACC478D-C4C3-4E2C-8E86-54401F59E844}" destId="{306095E9-B983-4972-BABC-C1C790BC3182}" srcOrd="0" destOrd="0" presId="urn:microsoft.com/office/officeart/2005/8/layout/chevron1"/>
     <dgm:cxn modelId="{971589EA-A4F3-4057-B8CC-7F85FFC3D700}" type="presParOf" srcId="{1ACC478D-C4C3-4E2C-8E86-54401F59E844}" destId="{2EF6448A-ACEA-4F72-9E99-B180D3296F60}" srcOrd="1" destOrd="0" presId="urn:microsoft.com/office/officeart/2005/8/layout/chevron1"/>
     <dgm:cxn modelId="{FA064649-7C26-4F26-88E0-3D35F4C466DA}" type="presParOf" srcId="{1ACC478D-C4C3-4E2C-8E86-54401F59E844}" destId="{1E9A9D2F-B6E6-4DFD-9BCD-9582B0B722F3}" srcOrd="2" destOrd="0" presId="urn:microsoft.com/office/officeart/2005/8/layout/chevron1"/>
@@ -6357,13 +6364,8 @@
             <a:pPr algn="ctr"/>
             <a:r>
               <a:rPr lang="en-US" sz="7200" b="1" dirty="0" smtClean="0"/>
-              <a:t>YET ANOTHER </a:t>
-            </a:r>
-            <a:r>
-              <a:rPr lang="en-US" sz="7200" b="1" dirty="0" smtClean="0"/>
-              <a:t>POWERPOINT</a:t>
-            </a:r>
-            <a:endParaRPr lang="en-US" sz="7200" b="1" dirty="0" smtClean="0"/>
+              <a:t>YET ANOTHER POWERPOINT</a:t>
+            </a:r>
           </a:p>
           <a:p>
             <a:pPr algn="ctr"/>
@@ -6377,11 +6379,7 @@
             </a:r>
             <a:r>
               <a:rPr lang="en-US" sz="7200" b="1" dirty="0" smtClean="0"/>
-              <a:t>BOUT </a:t>
-            </a:r>
-            <a:r>
-              <a:rPr lang="en-US" sz="7200" b="1" dirty="0" smtClean="0"/>
-              <a:t>LESS POWERPOINTS</a:t>
+              <a:t>BOUT LESS POWERPOINTS</a:t>
             </a:r>
             <a:endParaRPr lang="en-US" sz="7200" b="1" dirty="0"/>
           </a:p>
@@ -6601,7 +6599,6 @@
               <a:rPr lang="en-US" sz="2800" b="1" dirty="0" smtClean="0"/>
               <a:t>questions</a:t>
             </a:r>
-            <a:endParaRPr lang="en-US" sz="2800" b="1" dirty="0" smtClean="0"/>
           </a:p>
           <a:p>
             <a:pPr marL="742950" lvl="1" indent="-285750">
@@ -6610,8 +6607,21 @@
             </a:pPr>
             <a:r>
               <a:rPr lang="en-US" sz="2800" dirty="0" smtClean="0"/>
-              <a:t>They feel they need to know </a:t>
-            </a:r>
+              <a:t>They </a:t>
+            </a:r>
+            <a:r>
+              <a:rPr lang="en-US" sz="2800" b="1" dirty="0" smtClean="0"/>
+              <a:t>need to </a:t>
+            </a:r>
+            <a:r>
+              <a:rPr lang="en-US" sz="2800" b="1" dirty="0" smtClean="0"/>
+              <a:t>know </a:t>
+            </a:r>
+            <a:r>
+              <a:rPr lang="en-US" sz="2800" dirty="0" smtClean="0"/>
+              <a:t>to decide</a:t>
+            </a:r>
+            <a:endParaRPr lang="en-US" sz="2800" dirty="0" smtClean="0"/>
           </a:p>
           <a:p>
             <a:pPr marL="742950" lvl="1" indent="-285750">
@@ -6620,9 +6630,24 @@
             </a:pPr>
             <a:r>
               <a:rPr lang="en-US" sz="2800" dirty="0" smtClean="0"/>
-              <a:t>They want to test your soundness</a:t>
-            </a:r>
-            <a:endParaRPr lang="en-US" sz="2800" dirty="0" smtClean="0"/>
+              <a:t>They </a:t>
+            </a:r>
+            <a:r>
+              <a:rPr lang="en-US" sz="2800" dirty="0" smtClean="0"/>
+              <a:t>are only </a:t>
+            </a:r>
+            <a:r>
+              <a:rPr lang="en-US" sz="2800" b="1" dirty="0" smtClean="0"/>
+              <a:t>testing</a:t>
+            </a:r>
+            <a:r>
+              <a:rPr lang="en-US" sz="2800" dirty="0" smtClean="0"/>
+              <a:t> </a:t>
+            </a:r>
+            <a:r>
+              <a:rPr lang="en-US" sz="2800" dirty="0" smtClean="0"/>
+              <a:t>your soundness</a:t>
+            </a:r>
           </a:p>
           <a:p>
             <a:pPr marL="742950" lvl="1" indent="-285750">
@@ -6638,7 +6663,11 @@
             </a:pPr>
             <a:r>
               <a:rPr lang="en-US" sz="2800" dirty="0" smtClean="0"/>
-              <a:t>Do not put every possible answer</a:t>
+              <a:t>Do not put every </a:t>
+            </a:r>
+            <a:r>
+              <a:rPr lang="en-US" sz="2800" b="1" dirty="0" smtClean="0"/>
+              <a:t>possible answer</a:t>
             </a:r>
           </a:p>
           <a:p>
@@ -6662,7 +6691,11 @@
             </a:pPr>
             <a:r>
               <a:rPr lang="en-US" sz="2800" dirty="0" smtClean="0"/>
-              <a:t>The goal is </a:t>
+              <a:t>Again, the </a:t>
+            </a:r>
+            <a:r>
+              <a:rPr lang="en-US" sz="2800" dirty="0" smtClean="0"/>
+              <a:t>goal is </a:t>
             </a:r>
             <a:r>
               <a:rPr lang="en-US" sz="2800" b="1" dirty="0" smtClean="0"/>
@@ -6696,8 +6729,12 @@
               <a:buChar char="•"/>
             </a:pPr>
             <a:r>
+              <a:rPr lang="en-US" sz="2800" b="1" dirty="0" smtClean="0"/>
+              <a:t>Know your stuff </a:t>
+            </a:r>
+            <a:r>
               <a:rPr lang="en-US" sz="2800" dirty="0" smtClean="0"/>
-              <a:t>Know your stuff to answer on the fly</a:t>
+              <a:t>to answer on the fly</a:t>
             </a:r>
           </a:p>
           <a:p>
@@ -6707,7 +6744,11 @@
             </a:pPr>
             <a:r>
               <a:rPr lang="en-US" sz="2800" dirty="0" smtClean="0"/>
-              <a:t>Have an additional document with details</a:t>
+              <a:t>Have an additional document with </a:t>
+            </a:r>
+            <a:r>
+              <a:rPr lang="en-US" sz="2800" b="1" dirty="0" smtClean="0"/>
+              <a:t>details</a:t>
             </a:r>
           </a:p>
           <a:p>
@@ -6717,7 +6758,23 @@
             </a:pPr>
             <a:r>
               <a:rPr lang="en-US" sz="2800" dirty="0" smtClean="0"/>
-              <a:t>“I don’t know. I will get back to you with the answer”</a:t>
+              <a:t>“</a:t>
+            </a:r>
+            <a:r>
+              <a:rPr lang="en-US" sz="2800" b="1" dirty="0" smtClean="0"/>
+              <a:t>I don’t know</a:t>
+            </a:r>
+            <a:r>
+              <a:rPr lang="en-US" sz="2800" dirty="0" smtClean="0"/>
+              <a:t>. I will get back to you </a:t>
+            </a:r>
+            <a:r>
+              <a:rPr lang="en-US" sz="2800" dirty="0" smtClean="0"/>
+              <a:t>later with </a:t>
+            </a:r>
+            <a:r>
+              <a:rPr lang="en-US" sz="2800" dirty="0" smtClean="0"/>
+              <a:t>the answer”</a:t>
             </a:r>
           </a:p>
           <a:p>
@@ -6727,13 +6784,16 @@
             </a:pPr>
             <a:r>
               <a:rPr lang="en-US" sz="2800" dirty="0" smtClean="0"/>
-              <a:t>“lets discuss offline. It is not relevant</a:t>
+              <a:t>“lets discuss </a:t>
+            </a:r>
+            <a:r>
+              <a:rPr lang="en-US" sz="2800" b="1" dirty="0" smtClean="0"/>
+              <a:t>offline</a:t>
             </a:r>
             <a:r>
               <a:rPr lang="en-US" sz="2800" dirty="0" smtClean="0"/>
-              <a:t> to the whole audience”</a:t>
-            </a:r>
-            <a:endParaRPr lang="en-US" sz="2800" dirty="0" smtClean="0"/>
+              <a:t>. It is not relevant to the whole audience”</a:t>
+            </a:r>
           </a:p>
         </p:txBody>
       </p:sp>
@@ -6799,11 +6859,7 @@
             <a:pPr algn="ctr"/>
             <a:r>
               <a:rPr lang="en-US" sz="8800" b="1" dirty="0" smtClean="0"/>
-              <a:t>4# </a:t>
-            </a:r>
-            <a:r>
-              <a:rPr lang="en-US" sz="8800" b="1" dirty="0" smtClean="0"/>
-              <a:t>ABOUT DECISION ASKING</a:t>
+              <a:t>4# ABOUT DECISION ASKING</a:t>
             </a:r>
             <a:endParaRPr lang="en-US" sz="8800" b="1" dirty="0"/>
           </a:p>
@@ -6906,8 +6962,13 @@
             </a:r>
             <a:r>
               <a:rPr lang="en-US" sz="3200" dirty="0" smtClean="0"/>
-              <a:t>until discussion feels done</a:t>
-            </a:r>
+              <a:t>until discussion feels </a:t>
+            </a:r>
+            <a:r>
+              <a:rPr lang="en-US" sz="3200" dirty="0" smtClean="0"/>
+              <a:t>clearly done</a:t>
+            </a:r>
+            <a:endParaRPr lang="en-US" sz="3200" dirty="0" smtClean="0"/>
           </a:p>
           <a:p>
             <a:pPr marL="742950" lvl="1" indent="-285750">
@@ -6934,8 +6995,21 @@
             </a:r>
             <a:r>
               <a:rPr lang="en-US" sz="3200" dirty="0" smtClean="0"/>
-              <a:t>for a decision: “are we all more or les sin a agreement on this?”</a:t>
-            </a:r>
+              <a:t>for a decision: “are we all more or </a:t>
+            </a:r>
+            <a:r>
+              <a:rPr lang="en-US" sz="3200" dirty="0" smtClean="0"/>
+              <a:t>less in </a:t>
+            </a:r>
+            <a:r>
+              <a:rPr lang="en-US" sz="3200" dirty="0" smtClean="0"/>
+              <a:t>a agreement on </a:t>
+            </a:r>
+            <a:r>
+              <a:rPr lang="en-US" sz="3200" dirty="0" smtClean="0"/>
+              <a:t>this summary?”</a:t>
+            </a:r>
+            <a:endParaRPr lang="en-US" sz="3200" dirty="0" smtClean="0"/>
           </a:p>
           <a:p>
             <a:pPr marL="742950" lvl="1" indent="-285750">
@@ -6956,7 +7030,39 @@
             </a:r>
             <a:r>
               <a:rPr lang="en-US" sz="3200" dirty="0" smtClean="0"/>
-              <a:t>meeting. Email immediately both your summary and the decision you believe was just made</a:t>
+              <a:t>meeting. </a:t>
+            </a:r>
+            <a:r>
+              <a:rPr lang="en-US" sz="3200" b="1" dirty="0" smtClean="0"/>
+              <a:t>Email immediately </a:t>
+            </a:r>
+            <a:r>
+              <a:rPr lang="en-US" sz="3200" dirty="0" smtClean="0"/>
+              <a:t>both </a:t>
+            </a:r>
+            <a:r>
+              <a:rPr lang="en-US" sz="3200" dirty="0" smtClean="0"/>
+              <a:t>the </a:t>
+            </a:r>
+            <a:r>
+              <a:rPr lang="en-US" sz="3200" b="1" dirty="0" smtClean="0"/>
+              <a:t>summary</a:t>
+            </a:r>
+            <a:r>
+              <a:rPr lang="en-US" sz="3200" dirty="0" smtClean="0"/>
+              <a:t> </a:t>
+            </a:r>
+            <a:r>
+              <a:rPr lang="en-US" sz="3200" dirty="0" smtClean="0"/>
+              <a:t>and the </a:t>
+            </a:r>
+            <a:r>
+              <a:rPr lang="en-US" sz="3200" b="1" dirty="0" smtClean="0"/>
+              <a:t>decision</a:t>
+            </a:r>
+            <a:r>
+              <a:rPr lang="en-US" sz="3200" dirty="0" smtClean="0"/>
+              <a:t> you believe was just made</a:t>
             </a:r>
           </a:p>
           <a:p>
@@ -6970,15 +7076,19 @@
             </a:r>
             <a:r>
               <a:rPr lang="en-US" sz="3200" dirty="0" smtClean="0"/>
-              <a:t>: close the meeting. Email your summary and say that f</a:t>
-            </a:r>
-            <a:r>
-              <a:rPr lang="en-US" sz="3200" dirty="0" smtClean="0"/>
-              <a:t>urther </a:t>
+              <a:t>: close the meeting. Email your summary and say that </a:t>
+            </a:r>
+            <a:r>
+              <a:rPr lang="en-US" sz="3200" b="1" dirty="0" smtClean="0"/>
+              <a:t>further </a:t>
+            </a:r>
+            <a:r>
+              <a:rPr lang="en-US" sz="3200" b="1" dirty="0"/>
+              <a:t>discussion </a:t>
             </a:r>
             <a:r>
               <a:rPr lang="en-US" sz="3200" dirty="0"/>
-              <a:t>discussion will be </a:t>
+              <a:t>will be </a:t>
             </a:r>
             <a:r>
               <a:rPr lang="en-US" sz="3200" dirty="0" smtClean="0"/>
@@ -6992,7 +7102,6 @@
               <a:rPr lang="en-US" sz="3200" dirty="0" smtClean="0"/>
               <a:t>later</a:t>
             </a:r>
-            <a:endParaRPr lang="en-US" sz="3200" dirty="0" smtClean="0"/>
           </a:p>
         </p:txBody>
       </p:sp>
@@ -7157,7 +7266,11 @@
             </a:pPr>
             <a:r>
               <a:rPr lang="en-US" sz="3200" dirty="0" smtClean="0"/>
-              <a:t>Prevents you from boring everyone with bad PowerPoints</a:t>
+              <a:t>Prevents you from boring everyone with </a:t>
+            </a:r>
+            <a:r>
+              <a:rPr lang="en-US" sz="3200" b="1" dirty="0" smtClean="0"/>
+              <a:t>bad PowerPoints</a:t>
             </a:r>
           </a:p>
           <a:p>
@@ -7167,7 +7280,11 @@
             </a:pPr>
             <a:r>
               <a:rPr lang="en-US" sz="3200" dirty="0" smtClean="0"/>
-              <a:t>Increase your effectiveness as a communicator</a:t>
+              <a:t>Increase your effectiveness as a </a:t>
+            </a:r>
+            <a:r>
+              <a:rPr lang="en-US" sz="3200" b="1" dirty="0" smtClean="0"/>
+              <a:t>communicator</a:t>
             </a:r>
           </a:p>
           <a:p>
@@ -7180,14 +7297,17 @@
               <a:t>Advance your </a:t>
             </a:r>
             <a:r>
-              <a:rPr lang="en-US" sz="3200" dirty="0" err="1" smtClean="0"/>
-              <a:t>carrer</a:t>
+              <a:rPr lang="en-US" sz="3200" b="1" dirty="0" smtClean="0"/>
+              <a:t>career</a:t>
             </a:r>
             <a:r>
               <a:rPr lang="en-US" sz="3200" dirty="0" smtClean="0"/>
-              <a:t> by getting the decisions you want</a:t>
-            </a:r>
-            <a:endParaRPr lang="en-US" sz="3200" dirty="0" smtClean="0"/>
+              <a:t> </a:t>
+            </a:r>
+            <a:r>
+              <a:rPr lang="en-US" sz="3200" dirty="0" smtClean="0"/>
+              <a:t>by getting the decisions you want</a:t>
+            </a:r>
           </a:p>
         </p:txBody>
       </p:sp>
@@ -7413,7 +7533,7 @@
         <p:spPr>
           <a:xfrm>
             <a:off x="355908" y="260648"/>
-            <a:ext cx="8424936" cy="4524315"/>
+            <a:ext cx="8424936" cy="5016758"/>
           </a:xfrm>
           <a:prstGeom prst="rect">
             <a:avLst/>
@@ -7442,7 +7562,15 @@
             </a:pPr>
             <a:r>
               <a:rPr lang="en-US" sz="3200" dirty="0" smtClean="0"/>
-              <a:t>They make the presenter’s job easy…</a:t>
+              <a:t>They make the presenter’s job </a:t>
+            </a:r>
+            <a:r>
+              <a:rPr lang="en-US" sz="3200" b="1" dirty="0" smtClean="0"/>
+              <a:t>easy</a:t>
+            </a:r>
+            <a:r>
+              <a:rPr lang="en-US" sz="3200" dirty="0" smtClean="0"/>
+              <a:t>…</a:t>
             </a:r>
           </a:p>
           <a:p>
@@ -7452,7 +7580,19 @@
             </a:pPr>
             <a:r>
               <a:rPr lang="en-US" sz="3200" dirty="0" smtClean="0"/>
-              <a:t>..but they vastly reduces the presenter’s effectiveness</a:t>
+              <a:t>..but they vastly </a:t>
+            </a:r>
+            <a:r>
+              <a:rPr lang="en-US" sz="3200" b="1" dirty="0" smtClean="0"/>
+              <a:t>reduce</a:t>
+            </a:r>
+            <a:r>
+              <a:rPr lang="en-US" sz="3200" dirty="0" smtClean="0"/>
+              <a:t> </a:t>
+            </a:r>
+            <a:r>
+              <a:rPr lang="en-US" sz="3200" dirty="0" smtClean="0"/>
+              <a:t>the presenter’s effectiveness</a:t>
             </a:r>
             <a:endParaRPr lang="en-US" sz="3200" dirty="0"/>
           </a:p>
@@ -7484,7 +7624,15 @@
             </a:pPr>
             <a:r>
               <a:rPr lang="en-US" sz="3200" dirty="0" smtClean="0"/>
-              <a:t>Do less </a:t>
+              <a:t>Do </a:t>
+            </a:r>
+            <a:r>
+              <a:rPr lang="en-US" sz="3200" b="1" dirty="0" smtClean="0"/>
+              <a:t>less</a:t>
+            </a:r>
+            <a:r>
+              <a:rPr lang="en-US" sz="3200" dirty="0" smtClean="0"/>
+              <a:t> </a:t>
             </a:r>
             <a:r>
               <a:rPr lang="en-US" sz="3200" dirty="0" err="1" smtClean="0"/>
@@ -7499,7 +7647,34 @@
             </a:pPr>
             <a:r>
               <a:rPr lang="en-US" sz="3200" dirty="0" smtClean="0"/>
-              <a:t>Do smaller and focused </a:t>
+              <a:t>Do </a:t>
+            </a:r>
+            <a:r>
+              <a:rPr lang="en-US" sz="3200" b="1" dirty="0" smtClean="0"/>
+              <a:t>smaller</a:t>
+            </a:r>
+            <a:r>
+              <a:rPr lang="en-US" sz="3200" dirty="0" smtClean="0"/>
+              <a:t> </a:t>
+            </a:r>
+            <a:r>
+              <a:rPr lang="en-US" sz="3200" dirty="0" err="1" smtClean="0"/>
+              <a:t>powerpoints</a:t>
+            </a:r>
+            <a:endParaRPr lang="en-US" sz="3200" dirty="0" smtClean="0"/>
+          </a:p>
+          <a:p>
+            <a:pPr marL="742950" lvl="1" indent="-285750">
+              <a:buFont typeface="Arial" panose="020B0604020202020204" pitchFamily="34" charset="0"/>
+              <a:buChar char="•"/>
+            </a:pPr>
+            <a:r>
+              <a:rPr lang="en-US" sz="3200" dirty="0" smtClean="0"/>
+              <a:t>Do </a:t>
+            </a:r>
+            <a:r>
+              <a:rPr lang="en-US" sz="3200" b="1" dirty="0" smtClean="0"/>
+              <a:t>focused </a:t>
             </a:r>
             <a:r>
               <a:rPr lang="en-US" sz="3200" dirty="0" err="1" smtClean="0"/>
@@ -7581,7 +7756,15 @@
             </a:pPr>
             <a:r>
               <a:rPr lang="en-US" sz="2400" dirty="0" smtClean="0"/>
-              <a:t>Before any presentation, ask these questions:</a:t>
+              <a:t>Before any presentation, ask these </a:t>
+            </a:r>
+            <a:r>
+              <a:rPr lang="en-US" sz="2400" b="1" dirty="0" smtClean="0"/>
+              <a:t>questions</a:t>
+            </a:r>
+            <a:r>
+              <a:rPr lang="en-US" sz="2400" dirty="0" smtClean="0"/>
+              <a:t>:</a:t>
             </a:r>
           </a:p>
           <a:p>
@@ -7972,7 +8155,6 @@
               <a:rPr lang="en-US" sz="2800" b="1" dirty="0" smtClean="0"/>
               <a:t>appropriate decisions</a:t>
             </a:r>
-            <a:endParaRPr lang="en-US" sz="2800" b="1" dirty="0" smtClean="0"/>
           </a:p>
           <a:p>
             <a:pPr marL="742950" lvl="1" indent="-285750">
@@ -8031,11 +8213,7 @@
             </a:pPr>
             <a:r>
               <a:rPr lang="en-US" sz="2800" dirty="0" smtClean="0"/>
-              <a:t>To decide how </a:t>
-            </a:r>
-            <a:r>
-              <a:rPr lang="en-US" sz="2800" dirty="0" smtClean="0"/>
-              <a:t>to handle a </a:t>
+              <a:t>To decide how to handle a </a:t>
             </a:r>
             <a:r>
               <a:rPr lang="en-US" sz="2800" b="1" dirty="0" smtClean="0"/>
@@ -8053,11 +8231,7 @@
             </a:r>
             <a:r>
               <a:rPr lang="en-US" sz="2800" dirty="0" smtClean="0"/>
-              <a:t>how </a:t>
-            </a:r>
-            <a:r>
-              <a:rPr lang="en-US" sz="2800" dirty="0" smtClean="0"/>
-              <a:t>to take advantage of a </a:t>
+              <a:t>how to take advantage of a </a:t>
             </a:r>
             <a:r>
               <a:rPr lang="en-US" sz="2800" b="1" dirty="0" smtClean="0"/>
@@ -8082,17 +8256,8 @@
             </a:r>
             <a:r>
               <a:rPr lang="en-US" sz="2800" b="1" dirty="0" smtClean="0"/>
-              <a:t>waste </a:t>
-            </a:r>
-            <a:r>
-              <a:rPr lang="en-US" sz="2800" b="1" dirty="0" smtClean="0"/>
-              <a:t>of </a:t>
-            </a:r>
-            <a:r>
-              <a:rPr lang="en-US" sz="2800" b="1" dirty="0" smtClean="0"/>
-              <a:t>time</a:t>
-            </a:r>
-            <a:endParaRPr lang="en-US" sz="2800" b="1" dirty="0" smtClean="0"/>
+              <a:t>waste of time</a:t>
+            </a:r>
           </a:p>
           <a:p>
             <a:pPr marL="742950" lvl="1" indent="-285750">
@@ -8129,17 +8294,12 @@
             </a:pPr>
             <a:r>
               <a:rPr lang="en-US" sz="2800" dirty="0" smtClean="0"/>
-              <a:t>To promote </a:t>
-            </a:r>
-            <a:r>
-              <a:rPr lang="en-US" sz="2800" dirty="0" smtClean="0"/>
-              <a:t>your </a:t>
+              <a:t>To promote your </a:t>
             </a:r>
             <a:r>
               <a:rPr lang="en-US" sz="2800" b="1" dirty="0" smtClean="0"/>
               <a:t>self-visibility</a:t>
             </a:r>
-            <a:endParaRPr lang="en-US" sz="2800" b="1" dirty="0" smtClean="0"/>
           </a:p>
           <a:p>
             <a:pPr marL="742950" lvl="1" indent="-285750">
@@ -8148,15 +8308,7 @@
             </a:pPr>
             <a:r>
               <a:rPr lang="en-US" sz="2800" dirty="0" smtClean="0"/>
-              <a:t>To prove </a:t>
-            </a:r>
-            <a:r>
-              <a:rPr lang="en-US" sz="2800" dirty="0" smtClean="0"/>
-              <a:t>you </a:t>
-            </a:r>
-            <a:r>
-              <a:rPr lang="en-US" sz="2800" dirty="0" smtClean="0"/>
-              <a:t>have the </a:t>
+              <a:t>To prove you have the </a:t>
             </a:r>
             <a:r>
               <a:rPr lang="en-US" sz="2800" b="1" dirty="0" smtClean="0"/>
@@ -8166,7 +8318,6 @@
               <a:rPr lang="en-US" sz="2800" dirty="0" smtClean="0"/>
               <a:t>over people</a:t>
             </a:r>
-            <a:endParaRPr lang="en-US" sz="2800" dirty="0" smtClean="0"/>
           </a:p>
         </p:txBody>
       </p:sp>
@@ -8291,7 +8442,7 @@
         <p:spPr>
           <a:xfrm>
             <a:off x="323529" y="188640"/>
-            <a:ext cx="8424936" cy="1815882"/>
+            <a:ext cx="8424936" cy="2246769"/>
           </a:xfrm>
           <a:prstGeom prst="rect">
             <a:avLst/>
@@ -8324,11 +8475,19 @@
             </a:r>
             <a:r>
               <a:rPr lang="en-US" sz="2800" dirty="0" smtClean="0"/>
-              <a:t>what people </a:t>
+              <a:t>the information </a:t>
+            </a:r>
+            <a:r>
+              <a:rPr lang="en-US" sz="2800" b="1" dirty="0" smtClean="0"/>
+              <a:t>people </a:t>
+            </a:r>
+            <a:r>
+              <a:rPr lang="en-US" sz="2800" b="1" dirty="0" smtClean="0"/>
+              <a:t>need </a:t>
             </a:r>
             <a:r>
               <a:rPr lang="en-US" sz="2800" dirty="0" smtClean="0"/>
-              <a:t>need to </a:t>
+              <a:t>to </a:t>
             </a:r>
             <a:r>
               <a:rPr lang="en-US" sz="2800" u="sng" dirty="0" smtClean="0"/>
@@ -8345,14 +8504,13 @@
               <a:t>Everything else is an </a:t>
             </a:r>
             <a:r>
+              <a:rPr lang="en-US" sz="2800" b="1" dirty="0" smtClean="0"/>
+              <a:t>imposition</a:t>
+            </a:r>
+            <a:r>
               <a:rPr lang="en-US" sz="2800" dirty="0" smtClean="0"/>
-              <a:t>imposition. Skip </a:t>
-            </a:r>
-            <a:r>
-              <a:rPr lang="en-US" sz="2800" dirty="0" smtClean="0"/>
-              <a:t>it</a:t>
-            </a:r>
-            <a:endParaRPr lang="en-US" sz="2800" dirty="0" smtClean="0"/>
+              <a:t>. Skip it</a:t>
+            </a:r>
           </a:p>
           <a:p>
             <a:pPr lvl="1"/>
@@ -8424,10 +8582,6 @@
               <a:rPr lang="en-US" sz="7200" b="1" dirty="0" smtClean="0"/>
               <a:t>#3 CLEAR+EFFICIENT</a:t>
             </a:r>
-            <a:r>
-              <a:rPr lang="en-US" sz="7200" b="1" dirty="0" smtClean="0"/>
-              <a:t/>
-            </a:r>
             <a:br>
               <a:rPr lang="en-US" sz="7200" b="1" dirty="0" smtClean="0"/>
             </a:br>
@@ -8485,7 +8639,7 @@
         <p:spPr>
           <a:xfrm>
             <a:off x="323529" y="188640"/>
-            <a:ext cx="8424936" cy="3539430"/>
+            <a:ext cx="8424936" cy="3970318"/>
           </a:xfrm>
           <a:prstGeom prst="rect">
             <a:avLst/>
@@ -8534,25 +8688,41 @@
             </a:r>
             <a:r>
               <a:rPr lang="en-US" sz="2800" dirty="0"/>
-              <a:t>over bulleted </a:t>
+              <a:t>over </a:t>
+            </a:r>
+            <a:r>
+              <a:rPr lang="en-US" sz="2800" b="1" dirty="0"/>
+              <a:t>bulleted </a:t>
+            </a:r>
+            <a:r>
+              <a:rPr lang="en-US" sz="2800" b="1" dirty="0" smtClean="0"/>
+              <a:t>slides </a:t>
             </a:r>
             <a:r>
               <a:rPr lang="en-US" sz="2800" dirty="0" smtClean="0"/>
-              <a:t>slides </a:t>
+              <a:t>is neither clear nor efficient. Result </a:t>
             </a:r>
             <a:r>
               <a:rPr lang="en-US" sz="2800" dirty="0" smtClean="0"/>
-              <a:t>is neither clear nor efficient. Result is </a:t>
+              <a:t>is either </a:t>
+            </a:r>
+            <a:r>
+              <a:rPr lang="en-US" sz="2800" b="1" dirty="0" smtClean="0"/>
+              <a:t>dissonance </a:t>
             </a:r>
             <a:r>
               <a:rPr lang="en-US" sz="2800" dirty="0" smtClean="0"/>
-              <a:t>dissonance or </a:t>
+              <a:t>or </a:t>
             </a:r>
             <a:r>
               <a:rPr lang="en-US" sz="2800" dirty="0" err="1" smtClean="0"/>
-              <a:t>Boredown</a:t>
-            </a:r>
-            <a:endParaRPr lang="en-US" sz="2800" dirty="0" smtClean="0"/>
+              <a:t>b</a:t>
+            </a:r>
+            <a:r>
+              <a:rPr lang="en-US" sz="2800" b="1" dirty="0" err="1" smtClean="0"/>
+              <a:t>oredown</a:t>
+            </a:r>
+            <a:endParaRPr lang="en-US" sz="2800" b="1" dirty="0" smtClean="0"/>
           </a:p>
           <a:p>
             <a:pPr marL="742950" lvl="1" indent="-285750">
@@ -8561,20 +8731,29 @@
             </a:pPr>
             <a:r>
               <a:rPr lang="en-US" sz="2800" dirty="0" smtClean="0"/>
-              <a:t>Same for talking </a:t>
+              <a:t>Same for talking over </a:t>
+            </a:r>
+            <a:r>
+              <a:rPr lang="en-US" sz="2800" b="1" dirty="0" smtClean="0"/>
+              <a:t>stock photos</a:t>
             </a:r>
             <a:r>
               <a:rPr lang="en-US" sz="2800" dirty="0" smtClean="0"/>
-              <a:t>over </a:t>
+              <a:t>. It is just a distraction </a:t>
             </a:r>
             <a:r>
               <a:rPr lang="en-US" sz="2800" dirty="0" smtClean="0"/>
-              <a:t>stock photos. It is just a distraction unless it is the </a:t>
+              <a:t>(unless the picture is the </a:t>
             </a:r>
             <a:r>
               <a:rPr lang="en-US" sz="2800" dirty="0" smtClean="0"/>
-              <a:t>decision itself</a:t>
-            </a:r>
+              <a:t>decision </a:t>
+            </a:r>
+            <a:r>
+              <a:rPr lang="en-US" sz="2800" dirty="0" smtClean="0"/>
+              <a:t>itself)</a:t>
+            </a:r>
+            <a:endParaRPr lang="en-US" sz="2800" dirty="0" smtClean="0"/>
           </a:p>
           <a:p>
             <a:pPr marL="742950" lvl="1" indent="-285750">
@@ -8582,17 +8761,41 @@
               <a:buChar char="•"/>
             </a:pPr>
             <a:r>
+              <a:rPr lang="en-US" sz="2800" b="1" dirty="0" smtClean="0"/>
+              <a:t>Pure Text </a:t>
+            </a:r>
+            <a:r>
               <a:rPr lang="en-US" sz="2800" dirty="0" smtClean="0"/>
-              <a:t>Pure Text should go to a </a:t>
-            </a:r>
+              <a:t>should go to a briefing document that can be read in advance. </a:t>
+            </a:r>
+            <a:endParaRPr lang="en-US" sz="2800" dirty="0" smtClean="0"/>
+          </a:p>
+          <a:p>
+            <a:pPr marL="1200150" lvl="2" indent="-285750">
+              <a:buFont typeface="Arial" panose="020B0604020202020204" pitchFamily="34" charset="0"/>
+              <a:buChar char="•"/>
+            </a:pPr>
             <a:r>
               <a:rPr lang="en-US" sz="2800" dirty="0" smtClean="0"/>
-              <a:t>briefing document that can be read in advance. </a:t>
+              <a:t>1 hour writing </a:t>
             </a:r>
             <a:r>
               <a:rPr lang="en-US" sz="2800" dirty="0" smtClean="0"/>
-              <a:t>1 hour writing = 3 minutes reading = 30 minutes spoon-feed slides</a:t>
-            </a:r>
+              <a:t>= 3 </a:t>
+            </a:r>
+            <a:r>
+              <a:rPr lang="en-US" sz="2800" dirty="0" smtClean="0"/>
+              <a:t>min read </a:t>
+            </a:r>
+            <a:r>
+              <a:rPr lang="en-US" sz="2800" dirty="0" smtClean="0"/>
+              <a:t>= 30 </a:t>
+            </a:r>
+            <a:r>
+              <a:rPr lang="en-US" sz="2800" dirty="0" smtClean="0"/>
+              <a:t>min spoon-feed slides</a:t>
+            </a:r>
+            <a:endParaRPr lang="en-US" sz="2800" dirty="0" smtClean="0"/>
           </a:p>
         </p:txBody>
       </p:sp>
